--- a/0-best-practices.pptx
+++ b/0-best-practices.pptx
@@ -237,7 +237,7 @@
           <a:p>
             <a:fld id="{304EC9DA-8217-DA4D-9534-D5C346450412}" type="datetimeFigureOut">
               <a:rPr lang="en-US" smtClean="0"/>
-              <a:t>8/23/21</a:t>
+              <a:t>8/24/21</a:t>
             </a:fld>
             <a:endParaRPr lang="en-US"/>
           </a:p>
@@ -930,9 +930,44 @@
           <a:lstStyle/>
           <a:p>
             <a:r>
-              <a:rPr lang="en-US" dirty="0"/>
-              <a:t>Regex=regular expression</a:t>
-            </a:r>
+              <a:rPr lang="en-US" sz="1200" b="1" i="0" kern="1200" dirty="0">
+                <a:solidFill>
+                  <a:schemeClr val="tx1"/>
+                </a:solidFill>
+                <a:effectLst/>
+                <a:latin typeface="+mn-lt"/>
+                <a:ea typeface="+mn-ea"/>
+                <a:cs typeface="+mn-cs"/>
+              </a:rPr>
+              <a:t>Regular expressions </a:t>
+            </a:r>
+            <a:r>
+              <a:rPr lang="en-US" sz="1200" b="0" i="0" kern="1200" dirty="0">
+                <a:solidFill>
+                  <a:schemeClr val="tx1"/>
+                </a:solidFill>
+                <a:effectLst/>
+                <a:latin typeface="+mn-lt"/>
+                <a:ea typeface="+mn-ea"/>
+                <a:cs typeface="+mn-cs"/>
+              </a:rPr>
+              <a:t>are patterns used to match character combinations in strings.</a:t>
+            </a:r>
+          </a:p>
+          <a:p>
+            <a:r>
+              <a:rPr lang="en-US" sz="1200" b="0" i="0" kern="1200" dirty="0">
+                <a:solidFill>
+                  <a:schemeClr val="tx1"/>
+                </a:solidFill>
+                <a:effectLst/>
+                <a:latin typeface="+mn-lt"/>
+                <a:ea typeface="+mn-ea"/>
+                <a:cs typeface="+mn-cs"/>
+              </a:rPr>
+              <a:t>Case sensitivity takes up a surprising amount of brain power to deconstruct; like reading, your brain is constantly trying to make sense of information contained in case</a:t>
+            </a:r>
+            <a:endParaRPr lang="en-US" dirty="0"/>
           </a:p>
         </p:txBody>
       </p:sp>
@@ -953,7 +988,7 @@
           <a:p>
             <a:fld id="{7F52A797-6C6B-774F-B60F-1D5B69D5B277}" type="slidenum">
               <a:rPr lang="en-US" smtClean="0"/>
-              <a:t>9</a:t>
+              <a:t>6</a:t>
             </a:fld>
             <a:endParaRPr lang="en-US"/>
           </a:p>
@@ -962,7 +997,7 @@
     </p:spTree>
     <p:extLst>
       <p:ext uri="{BB962C8B-B14F-4D97-AF65-F5344CB8AC3E}">
-        <p14:creationId xmlns:p14="http://schemas.microsoft.com/office/powerpoint/2010/main" val="1387807813"/>
+        <p14:creationId xmlns:p14="http://schemas.microsoft.com/office/powerpoint/2010/main" val="3872615600"/>
       </p:ext>
     </p:extLst>
   </p:cSld>
@@ -1018,7 +1053,7 @@
           <a:p>
             <a:r>
               <a:rPr lang="en-US" dirty="0"/>
-              <a:t>Object names might become gnarly; your future self will thank you when you are trying to remember how the code worked. </a:t>
+              <a:t>Regex=regular expression</a:t>
             </a:r>
           </a:p>
         </p:txBody>
@@ -1040,7 +1075,7 @@
           <a:p>
             <a:fld id="{7F52A797-6C6B-774F-B60F-1D5B69D5B277}" type="slidenum">
               <a:rPr lang="en-US" smtClean="0"/>
-              <a:t>26</a:t>
+              <a:t>9</a:t>
             </a:fld>
             <a:endParaRPr lang="en-US"/>
           </a:p>
@@ -1049,7 +1084,7 @@
     </p:spTree>
     <p:extLst>
       <p:ext uri="{BB962C8B-B14F-4D97-AF65-F5344CB8AC3E}">
-        <p14:creationId xmlns:p14="http://schemas.microsoft.com/office/powerpoint/2010/main" val="1599437360"/>
+        <p14:creationId xmlns:p14="http://schemas.microsoft.com/office/powerpoint/2010/main" val="1387807813"/>
       </p:ext>
     </p:extLst>
   </p:cSld>
@@ -1105,13 +1140,7 @@
           <a:p>
             <a:r>
               <a:rPr lang="en-US" dirty="0"/>
-              <a:t>Order of objects change as you add more analyses; </a:t>
-            </a:r>
-          </a:p>
-          <a:p>
-            <a:r>
-              <a:rPr lang="en-US" dirty="0"/>
-              <a:t>Note that figures and tables are output in a meaningful order; the order they are discussed in the results.</a:t>
+              <a:t>Object names might become gnarly; your future self will thank you when you are trying to remember how the code worked. </a:t>
             </a:r>
           </a:p>
         </p:txBody>
@@ -1133,7 +1162,7 @@
           <a:p>
             <a:fld id="{7F52A797-6C6B-774F-B60F-1D5B69D5B277}" type="slidenum">
               <a:rPr lang="en-US" smtClean="0"/>
-              <a:t>27</a:t>
+              <a:t>26</a:t>
             </a:fld>
             <a:endParaRPr lang="en-US"/>
           </a:p>
@@ -1142,7 +1171,7 @@
     </p:spTree>
     <p:extLst>
       <p:ext uri="{BB962C8B-B14F-4D97-AF65-F5344CB8AC3E}">
-        <p14:creationId xmlns:p14="http://schemas.microsoft.com/office/powerpoint/2010/main" val="4050305633"/>
+        <p14:creationId xmlns:p14="http://schemas.microsoft.com/office/powerpoint/2010/main" val="1599437360"/>
       </p:ext>
     </p:extLst>
   </p:cSld>
@@ -1198,13 +1227,13 @@
           <a:p>
             <a:r>
               <a:rPr lang="en-US" dirty="0"/>
-              <a:t>Object names might become gnarly; your future self will thank you when you are trying to remember how the code worked. </a:t>
+              <a:t>Order of objects change as you add more analyses; </a:t>
             </a:r>
           </a:p>
           <a:p>
             <a:r>
               <a:rPr lang="en-US" dirty="0"/>
-              <a:t>This isn’t the best example, but it works for me. (compromise between myself and collaborators)</a:t>
+              <a:t>Note that figures and tables are output in a meaningful order; the order they are discussed in the results.</a:t>
             </a:r>
           </a:p>
         </p:txBody>
@@ -1226,6 +1255,99 @@
           <a:p>
             <a:fld id="{7F52A797-6C6B-774F-B60F-1D5B69D5B277}" type="slidenum">
               <a:rPr lang="en-US" smtClean="0"/>
+              <a:t>27</a:t>
+            </a:fld>
+            <a:endParaRPr lang="en-US"/>
+          </a:p>
+        </p:txBody>
+      </p:sp>
+    </p:spTree>
+    <p:extLst>
+      <p:ext uri="{BB962C8B-B14F-4D97-AF65-F5344CB8AC3E}">
+        <p14:creationId xmlns:p14="http://schemas.microsoft.com/office/powerpoint/2010/main" val="4050305633"/>
+      </p:ext>
+    </p:extLst>
+  </p:cSld>
+  <p:clrMapOvr>
+    <a:masterClrMapping/>
+  </p:clrMapOvr>
+</p:notes>
+</file>
+
+<file path=ppt/notesSlides/notesSlide7.xml><?xml version="1.0" encoding="utf-8"?>
+<p:notes xmlns:a="http://schemas.openxmlformats.org/drawingml/2006/main" xmlns:r="http://schemas.openxmlformats.org/officeDocument/2006/relationships" xmlns:p="http://schemas.openxmlformats.org/presentationml/2006/main">
+  <p:cSld>
+    <p:spTree>
+      <p:nvGrpSpPr>
+        <p:cNvPr id="1" name=""/>
+        <p:cNvGrpSpPr/>
+        <p:nvPr/>
+      </p:nvGrpSpPr>
+      <p:grpSpPr>
+        <a:xfrm>
+          <a:off x="0" y="0"/>
+          <a:ext cx="0" cy="0"/>
+          <a:chOff x="0" y="0"/>
+          <a:chExt cx="0" cy="0"/>
+        </a:xfrm>
+      </p:grpSpPr>
+      <p:sp>
+        <p:nvSpPr>
+          <p:cNvPr id="2" name="Slide Image Placeholder 1"/>
+          <p:cNvSpPr>
+            <a:spLocks noGrp="1" noRot="1" noChangeAspect="1"/>
+          </p:cNvSpPr>
+          <p:nvPr>
+            <p:ph type="sldImg"/>
+          </p:nvPr>
+        </p:nvSpPr>
+        <p:spPr/>
+      </p:sp>
+      <p:sp>
+        <p:nvSpPr>
+          <p:cNvPr id="3" name="Notes Placeholder 2"/>
+          <p:cNvSpPr>
+            <a:spLocks noGrp="1"/>
+          </p:cNvSpPr>
+          <p:nvPr>
+            <p:ph type="body" idx="1"/>
+          </p:nvPr>
+        </p:nvSpPr>
+        <p:spPr/>
+        <p:txBody>
+          <a:bodyPr/>
+          <a:lstStyle/>
+          <a:p>
+            <a:r>
+              <a:rPr lang="en-US" dirty="0"/>
+              <a:t>Object names might become gnarly; your future self will thank you when you are trying to remember how the code worked. </a:t>
+            </a:r>
+          </a:p>
+          <a:p>
+            <a:r>
+              <a:rPr lang="en-US" dirty="0"/>
+              <a:t>This isn’t the best example, but it works for me. (compromise between myself and collaborators)</a:t>
+            </a:r>
+          </a:p>
+        </p:txBody>
+      </p:sp>
+      <p:sp>
+        <p:nvSpPr>
+          <p:cNvPr id="4" name="Slide Number Placeholder 3"/>
+          <p:cNvSpPr>
+            <a:spLocks noGrp="1"/>
+          </p:cNvSpPr>
+          <p:nvPr>
+            <p:ph type="sldNum" sz="quarter" idx="5"/>
+          </p:nvPr>
+        </p:nvSpPr>
+        <p:spPr/>
+        <p:txBody>
+          <a:bodyPr/>
+          <a:lstStyle/>
+          <a:p>
+            <a:fld id="{7F52A797-6C6B-774F-B60F-1D5B69D5B277}" type="slidenum">
+              <a:rPr lang="en-US" smtClean="0"/>
               <a:t>28</a:t>
             </a:fld>
             <a:endParaRPr lang="en-US"/>
@@ -1245,7 +1367,7 @@
 </p:notes>
 </file>
 
-<file path=ppt/notesSlides/notesSlide7.xml><?xml version="1.0" encoding="utf-8"?>
+<file path=ppt/notesSlides/notesSlide8.xml><?xml version="1.0" encoding="utf-8"?>
 <p:notes xmlns:a="http://schemas.openxmlformats.org/drawingml/2006/main" xmlns:r="http://schemas.openxmlformats.org/officeDocument/2006/relationships" xmlns:p="http://schemas.openxmlformats.org/presentationml/2006/main">
   <p:cSld>
     <p:spTree>
@@ -1488,7 +1610,7 @@
           <a:p>
             <a:fld id="{1D8BD707-D9CF-40AE-B4C6-C98DA3205C09}" type="datetimeFigureOut">
               <a:rPr lang="en-US"/>
-              <a:t>8/23/21</a:t>
+              <a:t>8/24/21</a:t>
             </a:fld>
             <a:endParaRPr lang="en-US"/>
           </a:p>
@@ -1665,7 +1787,7 @@
           <a:p>
             <a:fld id="{1D8BD707-D9CF-40AE-B4C6-C98DA3205C09}" type="datetimeFigureOut">
               <a:rPr lang="en-US"/>
-              <a:t>8/23/21</a:t>
+              <a:t>8/24/21</a:t>
             </a:fld>
             <a:endParaRPr lang="en-US"/>
           </a:p>
@@ -1879,7 +2001,7 @@
           <a:p>
             <a:fld id="{1D8BD707-D9CF-40AE-B4C6-C98DA3205C09}" type="datetimeFigureOut">
               <a:rPr lang="en-US"/>
-              <a:t>8/23/21</a:t>
+              <a:t>8/24/21</a:t>
             </a:fld>
             <a:endParaRPr lang="en-US"/>
           </a:p>
@@ -2027,7 +2149,7 @@
           <a:p>
             <a:fld id="{1D8BD707-D9CF-40AE-B4C6-C98DA3205C09}" type="datetimeFigureOut">
               <a:rPr lang="en-US"/>
-              <a:t>8/23/21</a:t>
+              <a:t>8/24/21</a:t>
             </a:fld>
             <a:endParaRPr lang="en-US"/>
           </a:p>
@@ -2146,7 +2268,7 @@
           <a:p>
             <a:fld id="{1D8BD707-D9CF-40AE-B4C6-C98DA3205C09}" type="datetimeFigureOut">
               <a:rPr lang="en-US"/>
-              <a:t>8/23/21</a:t>
+              <a:t>8/24/21</a:t>
             </a:fld>
             <a:endParaRPr lang="en-US"/>
           </a:p>
@@ -2371,7 +2493,7 @@
           <a:p>
             <a:fld id="{1D8BD707-D9CF-40AE-B4C6-C98DA3205C09}" type="datetimeFigureOut">
               <a:rPr lang="en-US"/>
-              <a:t>8/23/21</a:t>
+              <a:t>8/24/21</a:t>
             </a:fld>
             <a:endParaRPr lang="en-US"/>
           </a:p>
@@ -2599,7 +2721,7 @@
         <p:spPr>
           <a:xfrm>
             <a:off x="863600" y="914400"/>
-            <a:ext cx="11938000" cy="5406608"/>
+            <a:ext cx="11938000" cy="6435095"/>
           </a:xfrm>
           <a:prstGeom prst="rect">
             <a:avLst/>
@@ -2628,81 +2750,95 @@
             </a:r>
           </a:p>
           <a:p>
-            <a:pPr marL="869950" indent="-857250">
+            <a:pPr marL="12700">
               <a:lnSpc>
                 <a:spcPct val="100000"/>
               </a:lnSpc>
               <a:spcBef>
                 <a:spcPts val="100"/>
               </a:spcBef>
-              <a:buFont typeface="Arial" panose="020B0604020202020204" pitchFamily="34" charset="0"/>
-              <a:buChar char="•"/>
             </a:pPr>
-            <a:r>
-              <a:rPr lang="en-US" sz="5400" spc="-5" dirty="0">
-                <a:latin typeface="Gill Sans"/>
-                <a:cs typeface="Gill Sans"/>
-              </a:rPr>
-              <a:t>N</a:t>
-            </a:r>
-            <a:r>
-              <a:rPr sz="5400" spc="-5" dirty="0">
-                <a:latin typeface="Gill Sans"/>
-                <a:cs typeface="Gill Sans"/>
-              </a:rPr>
-              <a:t>aming</a:t>
-            </a:r>
-            <a:r>
-              <a:rPr sz="5400" spc="-65" dirty="0">
-                <a:latin typeface="Gill Sans"/>
-                <a:cs typeface="Gill Sans"/>
-              </a:rPr>
-              <a:t> </a:t>
-            </a:r>
-            <a:r>
-              <a:rPr sz="5400" spc="-5" dirty="0">
-                <a:latin typeface="Gill Sans"/>
-                <a:cs typeface="Gill Sans"/>
-              </a:rPr>
-              <a:t>things</a:t>
-            </a:r>
-            <a:r>
-              <a:rPr lang="en-US" sz="5400" spc="-5" dirty="0">
-                <a:latin typeface="Gill Sans"/>
-                <a:cs typeface="Gill Sans"/>
-              </a:rPr>
-              <a:t>: files and objects</a:t>
-            </a:r>
-          </a:p>
-          <a:p>
-            <a:pPr marL="869950" indent="-857250">
+            <a:endParaRPr lang="en-US" sz="6600" spc="-5" dirty="0">
+              <a:latin typeface="Gill Sans"/>
+              <a:cs typeface="Gill Sans"/>
+            </a:endParaRPr>
+          </a:p>
+          <a:p>
+            <a:pPr marL="927100" indent="-914400">
               <a:lnSpc>
                 <a:spcPct val="100000"/>
               </a:lnSpc>
               <a:spcBef>
                 <a:spcPts val="100"/>
               </a:spcBef>
-              <a:buFont typeface="Arial" panose="020B0604020202020204" pitchFamily="34" charset="0"/>
-              <a:buChar char="•"/>
+              <a:buFont typeface="+mj-lt"/>
+              <a:buAutoNum type="arabicPeriod"/>
             </a:pPr>
             <a:r>
               <a:rPr lang="en-US" sz="5400" spc="-5" dirty="0">
                 <a:latin typeface="Gill Sans"/>
                 <a:cs typeface="Gill Sans"/>
               </a:rPr>
-              <a:t>Cleaning up (other peoples’) bad variable names</a:t>
-            </a:r>
-          </a:p>
-          <a:p>
-            <a:pPr marL="869950" indent="-857250">
+              <a:t>N</a:t>
+            </a:r>
+            <a:r>
+              <a:rPr sz="5400" spc="-5" dirty="0">
+                <a:latin typeface="Gill Sans"/>
+                <a:cs typeface="Gill Sans"/>
+              </a:rPr>
+              <a:t>aming</a:t>
+            </a:r>
+            <a:r>
+              <a:rPr sz="5400" spc="-65" dirty="0">
+                <a:latin typeface="Gill Sans"/>
+                <a:cs typeface="Gill Sans"/>
+              </a:rPr>
+              <a:t> </a:t>
+            </a:r>
+            <a:r>
+              <a:rPr sz="5400" spc="-5" dirty="0">
+                <a:latin typeface="Gill Sans"/>
+                <a:cs typeface="Gill Sans"/>
+              </a:rPr>
+              <a:t>things</a:t>
+            </a:r>
+            <a:r>
+              <a:rPr lang="en-US" sz="5400" spc="-5" dirty="0">
+                <a:latin typeface="Gill Sans"/>
+                <a:cs typeface="Gill Sans"/>
+              </a:rPr>
+              <a:t>: files, objects, outputs</a:t>
+            </a:r>
+          </a:p>
+          <a:p>
+            <a:pPr marL="927100" indent="-914400">
               <a:lnSpc>
                 <a:spcPct val="100000"/>
               </a:lnSpc>
               <a:spcBef>
                 <a:spcPts val="100"/>
               </a:spcBef>
-              <a:buFont typeface="Arial" panose="020B0604020202020204" pitchFamily="34" charset="0"/>
-              <a:buChar char="•"/>
+              <a:buFont typeface="+mj-lt"/>
+              <a:buAutoNum type="arabicPeriod"/>
+            </a:pPr>
+            <a:r>
+              <a:rPr lang="en-US" sz="5400" spc="-5" dirty="0">
+                <a:latin typeface="Gill Sans"/>
+                <a:cs typeface="Gill Sans"/>
+              </a:rPr>
+              <a:t>Cleaning up (other peoples’) bad variable names</a:t>
+            </a:r>
+          </a:p>
+          <a:p>
+            <a:pPr marL="927100" indent="-914400">
+              <a:lnSpc>
+                <a:spcPct val="100000"/>
+              </a:lnSpc>
+              <a:spcBef>
+                <a:spcPts val="100"/>
+              </a:spcBef>
+              <a:buFont typeface="+mj-lt"/>
+              <a:buAutoNum type="arabicPeriod"/>
             </a:pPr>
             <a:r>
               <a:rPr lang="en-US" sz="5400" spc="-5" dirty="0">
@@ -6624,7 +6760,7 @@
         <p:spPr>
           <a:xfrm>
             <a:off x="927100" y="1600200"/>
-            <a:ext cx="10723245" cy="7802136"/>
+            <a:ext cx="11214100" cy="7186583"/>
           </a:xfrm>
           <a:prstGeom prst="rect">
             <a:avLst/>
@@ -6993,6 +7129,13 @@
               <a:t> </a:t>
             </a:r>
             <a:r>
+              <a:rPr lang="en-US" sz="4000" spc="-400" dirty="0">
+                <a:latin typeface="Gill Sans"/>
+                <a:cs typeface="Gill Sans"/>
+              </a:rPr>
+              <a:t> </a:t>
+            </a:r>
+            <a:r>
               <a:rPr sz="4000" spc="15" dirty="0">
                 <a:latin typeface="Gill Sans"/>
                 <a:cs typeface="Gill Sans"/>
@@ -7056,39 +7199,67 @@
               </a:tabLst>
             </a:pPr>
             <a:r>
-              <a:rPr sz="4000" spc="-25" dirty="0">
-                <a:latin typeface="Gill Sans"/>
-                <a:cs typeface="Gill Sans"/>
-              </a:rPr>
-              <a:t>new</a:t>
-            </a:r>
-            <a:r>
-              <a:rPr sz="4000" spc="5" dirty="0">
-                <a:latin typeface="Gill Sans"/>
-                <a:cs typeface="Gill Sans"/>
-              </a:rPr>
-              <a:t> </a:t>
+              <a:rPr lang="en-US" sz="4000" spc="-15" dirty="0">
+                <a:latin typeface="Gill Sans"/>
+                <a:cs typeface="Gill Sans"/>
+              </a:rPr>
+              <a:t>B</a:t>
             </a:r>
             <a:r>
               <a:rPr sz="4000" dirty="0">
                 <a:latin typeface="Gill Sans"/>
                 <a:cs typeface="Gill Sans"/>
               </a:rPr>
+              <a:t>e</a:t>
+            </a:r>
+            <a:r>
+              <a:rPr sz="4000" spc="-15" dirty="0">
+                <a:latin typeface="Gill Sans"/>
+                <a:cs typeface="Gill Sans"/>
+              </a:rPr>
+              <a:t> </a:t>
+            </a:r>
+            <a:r>
+              <a:rPr sz="4000" dirty="0">
+                <a:latin typeface="Gill Sans"/>
+                <a:cs typeface="Gill Sans"/>
+              </a:rPr>
+              <a:t>kind</a:t>
+            </a:r>
+            <a:r>
+              <a:rPr sz="4000" spc="-10" dirty="0">
+                <a:latin typeface="Gill Sans"/>
+                <a:cs typeface="Gill Sans"/>
+              </a:rPr>
+              <a:t> </a:t>
+            </a:r>
+            <a:r>
+              <a:rPr sz="4000" dirty="0">
+                <a:latin typeface="Gill Sans"/>
+                <a:cs typeface="Gill Sans"/>
+              </a:rPr>
               <a:t>to </a:t>
             </a:r>
             <a:r>
+              <a:rPr sz="4000" spc="-1100" dirty="0">
+                <a:latin typeface="Gill Sans"/>
+                <a:cs typeface="Gill Sans"/>
+              </a:rPr>
+              <a:t> </a:t>
+            </a:r>
+            <a:r>
               <a:rPr sz="4000" spc="-15" dirty="0">
                 <a:latin typeface="Gill Sans"/>
                 <a:cs typeface="Gill Sans"/>
               </a:rPr>
-              <a:t>regular	</a:t>
+              <a:t>yourself</a:t>
             </a:r>
             <a:r>
               <a:rPr sz="4000" spc="-10" dirty="0">
                 <a:latin typeface="Gill Sans"/>
                 <a:cs typeface="Gill Sans"/>
               </a:rPr>
-              <a:t>expressions </a:t>
+              <a:t> </a:t>
             </a:r>
             <a:r>
               <a:rPr sz="4000" dirty="0">
@@ -7098,94 +7269,10 @@
               <a:t>and</a:t>
             </a:r>
             <a:r>
-              <a:rPr sz="4000" spc="-15" dirty="0">
-                <a:latin typeface="Gill Sans"/>
-                <a:cs typeface="Gill Sans"/>
-              </a:rPr>
-              <a:t> </a:t>
-            </a:r>
-            <a:r>
               <a:rPr sz="4000" spc="-5" dirty="0">
                 <a:latin typeface="Gill Sans"/>
                 <a:cs typeface="Gill Sans"/>
               </a:rPr>
-              <a:t>globbing?</a:t>
-            </a:r>
-            <a:r>
-              <a:rPr sz="4000" spc="-15" dirty="0">
-                <a:latin typeface="Gill Sans"/>
-                <a:cs typeface="Gill Sans"/>
-              </a:rPr>
-              <a:t> </a:t>
-            </a:r>
-            <a:r>
-              <a:rPr sz="4000" dirty="0">
-                <a:latin typeface="Gill Sans"/>
-                <a:cs typeface="Gill Sans"/>
-              </a:rPr>
-              <a:t>be</a:t>
-            </a:r>
-            <a:r>
-              <a:rPr sz="4000" spc="-15" dirty="0">
-                <a:latin typeface="Gill Sans"/>
-                <a:cs typeface="Gill Sans"/>
-              </a:rPr>
-              <a:t> </a:t>
-            </a:r>
-            <a:r>
-              <a:rPr sz="4000" dirty="0">
-                <a:latin typeface="Gill Sans"/>
-                <a:cs typeface="Gill Sans"/>
-              </a:rPr>
-              <a:t>kind</a:t>
-            </a:r>
-            <a:r>
-              <a:rPr sz="4000" spc="-10" dirty="0">
-                <a:latin typeface="Gill Sans"/>
-                <a:cs typeface="Gill Sans"/>
-              </a:rPr>
-              <a:t> </a:t>
-            </a:r>
-            <a:r>
-              <a:rPr sz="4000" dirty="0">
-                <a:latin typeface="Gill Sans"/>
-                <a:cs typeface="Gill Sans"/>
-              </a:rPr>
-              <a:t>to </a:t>
-            </a:r>
-            <a:r>
-              <a:rPr sz="4000" spc="-1100" dirty="0">
-                <a:latin typeface="Gill Sans"/>
-                <a:cs typeface="Gill Sans"/>
-              </a:rPr>
-              <a:t> </a:t>
-            </a:r>
-            <a:r>
-              <a:rPr sz="4000" spc="-15" dirty="0">
-                <a:latin typeface="Gill Sans"/>
-                <a:cs typeface="Gill Sans"/>
-              </a:rPr>
-              <a:t>yourself</a:t>
-            </a:r>
-            <a:r>
-              <a:rPr sz="4000" spc="-10" dirty="0">
-                <a:latin typeface="Gill Sans"/>
-                <a:cs typeface="Gill Sans"/>
-              </a:rPr>
-              <a:t> </a:t>
-            </a:r>
-            <a:r>
-              <a:rPr sz="4000" dirty="0">
-                <a:latin typeface="Gill Sans"/>
-                <a:cs typeface="Gill Sans"/>
-              </a:rPr>
-              <a:t>and</a:t>
-            </a:r>
-            <a:r>
-              <a:rPr sz="4000" spc="-5" dirty="0">
-                <a:latin typeface="Gill Sans"/>
-                <a:cs typeface="Gill Sans"/>
-              </a:rPr>
               <a:t> </a:t>
             </a:r>
             <a:r>
@@ -7194,6 +7281,13 @@
                 <a:cs typeface="Gill Sans"/>
               </a:rPr>
               <a:t>avoid</a:t>
+            </a:r>
+            <a:r>
+              <a:rPr lang="en-US" sz="4000" spc="-50" dirty="0">
+                <a:latin typeface="Gill Sans"/>
+                <a:cs typeface="Gill Sans"/>
+              </a:rPr>
+              <a:t>:</a:t>
             </a:r>
             <a:endParaRPr sz="4000" dirty="0">
               <a:latin typeface="Gill Sans"/>
@@ -7316,6 +7410,13 @@
                 <a:cs typeface="Gill Sans"/>
               </a:rPr>
               <a:t>characters</a:t>
+            </a:r>
+            <a:r>
+              <a:rPr lang="en-US" sz="4000" spc="-5" dirty="0">
+                <a:latin typeface="Gill Sans"/>
+                <a:cs typeface="Gill Sans"/>
+              </a:rPr>
+              <a:t> (don’t translate well across other languages)</a:t>
             </a:r>
             <a:endParaRPr sz="4000" dirty="0">
               <a:latin typeface="Gill Sans"/>
@@ -7653,28 +7754,14 @@
                 <a:latin typeface="Gill Sans"/>
                 <a:cs typeface="Gill Sans"/>
               </a:rPr>
-              <a:t>N</a:t>
+              <a:t>File names should </a:t>
             </a:r>
             <a:r>
               <a:rPr sz="3600" spc="-5" dirty="0">
                 <a:latin typeface="Gill Sans"/>
                 <a:cs typeface="Gill Sans"/>
               </a:rPr>
-              <a:t>ame</a:t>
-            </a:r>
-            <a:r>
-              <a:rPr lang="en-US" sz="3600" spc="-5" dirty="0">
-                <a:latin typeface="Gill Sans"/>
-                <a:cs typeface="Gill Sans"/>
-              </a:rPr>
-              <a:t> </a:t>
-            </a:r>
-            <a:r>
-              <a:rPr sz="3600" spc="-5" dirty="0">
-                <a:latin typeface="Gill Sans"/>
-                <a:cs typeface="Gill Sans"/>
-              </a:rPr>
-              <a:t>contains</a:t>
+              <a:t>contain</a:t>
             </a:r>
             <a:r>
               <a:rPr sz="3600" spc="10" dirty="0">
@@ -7735,11 +7822,18 @@
               </a:tabLst>
             </a:pPr>
             <a:r>
+              <a:rPr lang="en-US" sz="3600" spc="-5" dirty="0">
+                <a:latin typeface="Gill Sans"/>
+                <a:cs typeface="Gill Sans"/>
+              </a:rPr>
+              <a:t>C</a:t>
+            </a:r>
+            <a:r>
               <a:rPr sz="3600" spc="-5" dirty="0">
                 <a:latin typeface="Gill Sans"/>
                 <a:cs typeface="Gill Sans"/>
               </a:rPr>
-              <a:t>connects</a:t>
+              <a:t>onnects</a:t>
             </a:r>
             <a:r>
               <a:rPr sz="3600" spc="-10" dirty="0">
@@ -8489,7 +8583,7 @@
         <p:spPr>
           <a:xfrm>
             <a:off x="558800" y="8223250"/>
-            <a:ext cx="11669395" cy="558800"/>
+            <a:ext cx="11887200" cy="551433"/>
           </a:xfrm>
           <a:prstGeom prst="rect">
             <a:avLst/>
@@ -8570,7 +8664,21 @@
                 <a:latin typeface="Gill Sans"/>
                 <a:cs typeface="Gill Sans"/>
               </a:rPr>
-              <a:t>3a.m.</a:t>
+              <a:t>3</a:t>
+            </a:r>
+            <a:r>
+              <a:rPr lang="en-US" sz="3500" spc="-5" dirty="0">
+                <a:latin typeface="Gill Sans"/>
+                <a:cs typeface="Gill Sans"/>
+              </a:rPr>
+              <a:t> </a:t>
+            </a:r>
+            <a:r>
+              <a:rPr sz="3500" spc="-5" dirty="0">
+                <a:latin typeface="Gill Sans"/>
+                <a:cs typeface="Gill Sans"/>
+              </a:rPr>
+              <a:t>a.m.</a:t>
             </a:r>
             <a:r>
               <a:rPr sz="3500" spc="-350" dirty="0">
@@ -8614,7 +8722,7 @@
               </a:rPr>
               <a:t>deadline?</a:t>
             </a:r>
-            <a:endParaRPr sz="3500">
+            <a:endParaRPr sz="3500" dirty="0">
               <a:latin typeface="Gill Sans"/>
               <a:cs typeface="Gill Sans"/>
             </a:endParaRPr>
@@ -9333,10 +9441,6 @@
               </a:rPr>
               <a:t>01_marshal-data.r</a:t>
             </a:r>
-            <a:endParaRPr sz="2800">
-              <a:latin typeface="Courier"/>
-              <a:cs typeface="Courier"/>
-            </a:endParaRPr>
           </a:p>
           <a:p>
             <a:pPr>
@@ -9347,7 +9451,7 @@
                 <a:spcPts val="40"/>
               </a:spcBef>
             </a:pPr>
-            <a:endParaRPr sz="3400">
+            <a:endParaRPr sz="3400" dirty="0">
               <a:latin typeface="Courier"/>
               <a:cs typeface="Courier"/>
             </a:endParaRPr>
@@ -9365,10 +9469,6 @@
               </a:rPr>
               <a:t>02_pre-dea-filtering.r</a:t>
             </a:r>
-            <a:endParaRPr sz="2800">
-              <a:latin typeface="Courier"/>
-              <a:cs typeface="Courier"/>
-            </a:endParaRPr>
           </a:p>
         </p:txBody>
       </p:sp>
@@ -9408,10 +9508,6 @@
               </a:rPr>
               <a:t>03_dea-with-limma-voom.r</a:t>
             </a:r>
-            <a:endParaRPr sz="2800">
-              <a:latin typeface="Courier"/>
-              <a:cs typeface="Courier"/>
-            </a:endParaRPr>
           </a:p>
         </p:txBody>
       </p:sp>
@@ -9451,10 +9547,6 @@
               </a:rPr>
               <a:t>04_explore-dea-results.r</a:t>
             </a:r>
-            <a:endParaRPr sz="2800">
-              <a:latin typeface="Courier"/>
-              <a:cs typeface="Courier"/>
-            </a:endParaRPr>
           </a:p>
           <a:p>
             <a:pPr marL="12700" marR="5080">
@@ -9511,10 +9603,6 @@
               </a:rPr>
               <a:t>helper04_extract-and-tidy.r</a:t>
             </a:r>
-            <a:endParaRPr sz="2800">
-              <a:latin typeface="Courier"/>
-              <a:cs typeface="Courier"/>
-            </a:endParaRPr>
           </a:p>
         </p:txBody>
       </p:sp>
@@ -11313,7 +11401,19 @@
           <a:p>
             <a:r>
               <a:rPr lang="en-US" sz="3200" dirty="0"/>
-              <a:t>Coding requires you to make a lot of personal naming choices (it is after all an expression of language). In order to effectively collaborate with others, some best-practices (naming conventions, file organization, etc.) are helpful to keep the focus on what the code does (produce results and visualizations). </a:t>
+              <a:t>Coding requires you to make a lot of personal naming choices (it is after all an expression of language). In order to effectively collaborate with others, some best-practices (naming conventions, file organization, etc.) are helpful to </a:t>
+            </a:r>
+            <a:r>
+              <a:rPr lang="en-US" sz="3200" dirty="0">
+                <a:solidFill>
+                  <a:srgbClr val="0432FF"/>
+                </a:solidFill>
+              </a:rPr>
+              <a:t>keep the focus on what the code does </a:t>
+            </a:r>
+            <a:r>
+              <a:rPr lang="en-US" sz="3200" dirty="0"/>
+              <a:t>(produce results and visualizations). </a:t>
             </a:r>
           </a:p>
         </p:txBody>
@@ -11755,7 +11855,7 @@
         </p:blipFill>
         <p:spPr>
           <a:xfrm>
-            <a:off x="901700" y="660400"/>
+            <a:off x="901700" y="1270000"/>
             <a:ext cx="11188700" cy="6654800"/>
           </a:xfrm>
           <a:prstGeom prst="rect">
@@ -12632,8 +12732,8 @@
         </p:nvSpPr>
         <p:spPr>
           <a:xfrm>
-            <a:off x="939800" y="2590800"/>
-            <a:ext cx="11653520" cy="6029856"/>
+            <a:off x="787400" y="1320550"/>
+            <a:ext cx="11653520" cy="5766450"/>
           </a:xfrm>
           <a:prstGeom prst="rect">
             <a:avLst/>
@@ -12645,359 +12745,398 @@
           </a:bodyPr>
           <a:lstStyle/>
           <a:p>
-            <a:pPr marL="12700">
+            <a:pPr marL="869950" indent="-857250">
               <a:lnSpc>
                 <a:spcPct val="100000"/>
               </a:lnSpc>
               <a:spcBef>
                 <a:spcPts val="100"/>
               </a:spcBef>
+              <a:buFont typeface="Arial" panose="020B0604020202020204" pitchFamily="34" charset="0"/>
+              <a:buChar char="•"/>
               <a:tabLst>
                 <a:tab pos="1490345" algn="l"/>
               </a:tabLst>
             </a:pPr>
             <a:r>
-              <a:rPr sz="5800" spc="-5" dirty="0">
-                <a:latin typeface="Gill Sans"/>
-                <a:cs typeface="Gill Sans"/>
-              </a:rPr>
-              <a:t>easy	</a:t>
-            </a:r>
-            <a:r>
-              <a:rPr sz="5800" dirty="0">
+              <a:rPr lang="en-US" sz="4800" spc="-5" dirty="0">
+                <a:latin typeface="Gill Sans"/>
+                <a:cs typeface="Gill Sans"/>
+              </a:rPr>
+              <a:t>E</a:t>
+            </a:r>
+            <a:r>
+              <a:rPr sz="4800" spc="-5" dirty="0">
+                <a:latin typeface="Gill Sans"/>
+                <a:cs typeface="Gill Sans"/>
+              </a:rPr>
+              <a:t>asy</a:t>
+            </a:r>
+            <a:r>
+              <a:rPr lang="en-US" sz="4800" spc="-5" dirty="0">
+                <a:latin typeface="Gill Sans"/>
+                <a:cs typeface="Gill Sans"/>
+              </a:rPr>
+              <a:t> </a:t>
+            </a:r>
+            <a:r>
+              <a:rPr sz="4800" dirty="0">
                 <a:latin typeface="Gill Sans"/>
                 <a:cs typeface="Gill Sans"/>
               </a:rPr>
               <a:t>to</a:t>
             </a:r>
             <a:r>
-              <a:rPr sz="5800" spc="-25" dirty="0">
-                <a:latin typeface="Gill Sans"/>
-                <a:cs typeface="Gill Sans"/>
-              </a:rPr>
-              <a:t> </a:t>
-            </a:r>
-            <a:r>
-              <a:rPr sz="5800" spc="-5" dirty="0">
+              <a:rPr sz="4800" spc="-25" dirty="0">
+                <a:latin typeface="Gill Sans"/>
+                <a:cs typeface="Gill Sans"/>
+              </a:rPr>
+              <a:t> </a:t>
+            </a:r>
+            <a:r>
+              <a:rPr sz="4800" spc="-5" dirty="0">
                 <a:latin typeface="Gill Sans"/>
                 <a:cs typeface="Gill Sans"/>
               </a:rPr>
               <a:t>implement</a:t>
             </a:r>
             <a:r>
-              <a:rPr sz="5800" spc="-20" dirty="0">
-                <a:latin typeface="Gill Sans"/>
-                <a:cs typeface="Gill Sans"/>
-              </a:rPr>
-              <a:t> </a:t>
-            </a:r>
-            <a:r>
-              <a:rPr sz="5800" spc="-80" dirty="0">
+              <a:rPr sz="4800" spc="-20" dirty="0">
+                <a:latin typeface="Gill Sans"/>
+                <a:cs typeface="Gill Sans"/>
+              </a:rPr>
+              <a:t> </a:t>
+            </a:r>
+            <a:r>
+              <a:rPr sz="4800" spc="-80" dirty="0">
                 <a:latin typeface="Gill Sans"/>
                 <a:cs typeface="Gill Sans"/>
               </a:rPr>
               <a:t>NOW</a:t>
             </a:r>
-            <a:endParaRPr sz="5800" dirty="0">
+            <a:endParaRPr sz="4800" dirty="0">
               <a:latin typeface="Gill Sans"/>
               <a:cs typeface="Gill Sans"/>
             </a:endParaRPr>
           </a:p>
           <a:p>
-            <a:pPr>
-              <a:lnSpc>
-                <a:spcPct val="100000"/>
-              </a:lnSpc>
-              <a:spcBef>
-                <a:spcPts val="35"/>
-              </a:spcBef>
-            </a:pPr>
-            <a:endParaRPr sz="5800" dirty="0">
-              <a:latin typeface="Gill Sans"/>
-              <a:cs typeface="Gill Sans"/>
-            </a:endParaRPr>
-          </a:p>
-          <a:p>
-            <a:pPr marL="12700" marR="5080">
+            <a:pPr marL="869950" marR="5080" indent="-857250">
               <a:lnSpc>
                 <a:spcPts val="6600"/>
               </a:lnSpc>
               <a:spcBef>
                 <a:spcPts val="5"/>
               </a:spcBef>
+              <a:buFont typeface="Arial" panose="020B0604020202020204" pitchFamily="34" charset="0"/>
+              <a:buChar char="•"/>
               <a:tabLst>
                 <a:tab pos="6574155" algn="l"/>
                 <a:tab pos="9761855" algn="l"/>
               </a:tabLst>
             </a:pPr>
             <a:r>
-              <a:rPr sz="5800" dirty="0">
-                <a:latin typeface="Gill Sans"/>
-                <a:cs typeface="Gill Sans"/>
-              </a:rPr>
-              <a:t>p</a:t>
-            </a:r>
-            <a:r>
-              <a:rPr sz="5800" spc="-235" dirty="0">
+              <a:rPr lang="en-US" sz="4800" spc="-235" dirty="0">
+                <a:latin typeface="Gill Sans"/>
+                <a:cs typeface="Gill Sans"/>
+              </a:rPr>
+              <a:t>P</a:t>
+            </a:r>
+            <a:r>
+              <a:rPr sz="4800" spc="-235" dirty="0">
                 <a:latin typeface="Gill Sans"/>
                 <a:cs typeface="Gill Sans"/>
               </a:rPr>
               <a:t>a</a:t>
             </a:r>
             <a:r>
-              <a:rPr sz="5800" spc="-120" dirty="0">
+              <a:rPr sz="4800" spc="-120" dirty="0">
                 <a:latin typeface="Gill Sans"/>
                 <a:cs typeface="Gill Sans"/>
               </a:rPr>
               <a:t>y</a:t>
             </a:r>
             <a:r>
-              <a:rPr sz="5800" dirty="0">
+              <a:rPr sz="4800" dirty="0">
                 <a:latin typeface="Gill Sans"/>
                 <a:cs typeface="Gill Sans"/>
               </a:rPr>
               <a:t>offs</a:t>
             </a:r>
             <a:r>
-              <a:rPr sz="5800" spc="-5" dirty="0">
-                <a:latin typeface="Gill Sans"/>
-                <a:cs typeface="Gill Sans"/>
-              </a:rPr>
-              <a:t> </a:t>
-            </a:r>
-            <a:r>
-              <a:rPr sz="5800" dirty="0">
+              <a:rPr sz="4800" spc="-5" dirty="0">
+                <a:latin typeface="Gill Sans"/>
+                <a:cs typeface="Gill Sans"/>
+              </a:rPr>
+              <a:t> </a:t>
+            </a:r>
+            <a:r>
+              <a:rPr sz="4800" dirty="0">
                 <a:latin typeface="Gill Sans"/>
                 <a:cs typeface="Gill Sans"/>
               </a:rPr>
               <a:t>accu</a:t>
             </a:r>
             <a:r>
-              <a:rPr sz="5800" spc="-60" dirty="0">
+              <a:rPr sz="4800" spc="-60" dirty="0">
                 <a:latin typeface="Gill Sans"/>
                 <a:cs typeface="Gill Sans"/>
               </a:rPr>
               <a:t>m</a:t>
             </a:r>
             <a:r>
-              <a:rPr sz="5800" dirty="0">
+              <a:rPr sz="4800" dirty="0">
                 <a:latin typeface="Gill Sans"/>
                 <a:cs typeface="Gill Sans"/>
               </a:rPr>
               <a:t>ula</a:t>
             </a:r>
             <a:r>
-              <a:rPr sz="5800" spc="-5" dirty="0">
+              <a:rPr sz="4800" spc="-5" dirty="0">
                 <a:latin typeface="Gill Sans"/>
                 <a:cs typeface="Gill Sans"/>
               </a:rPr>
               <a:t>t</a:t>
             </a:r>
             <a:r>
-              <a:rPr sz="5800" dirty="0">
+              <a:rPr sz="4800" dirty="0">
                 <a:latin typeface="Gill Sans"/>
                 <a:cs typeface="Gill Sans"/>
               </a:rPr>
               <a:t>e</a:t>
             </a:r>
             <a:r>
-              <a:rPr sz="5800" spc="-5" dirty="0">
-                <a:latin typeface="Gill Sans"/>
-                <a:cs typeface="Gill Sans"/>
-              </a:rPr>
-              <a:t> </a:t>
-            </a:r>
-            <a:r>
-              <a:rPr sz="5800" dirty="0">
-                <a:latin typeface="Gill Sans"/>
-                <a:cs typeface="Gill Sans"/>
-              </a:rPr>
-              <a:t>as	</a:t>
-            </a:r>
-            <a:r>
-              <a:rPr sz="5800" spc="-120" dirty="0">
+              <a:rPr sz="4800" spc="-5" dirty="0">
+                <a:latin typeface="Gill Sans"/>
+                <a:cs typeface="Gill Sans"/>
+              </a:rPr>
+              <a:t> </a:t>
+            </a:r>
+            <a:r>
+              <a:rPr sz="4800" dirty="0">
+                <a:latin typeface="Gill Sans"/>
+                <a:cs typeface="Gill Sans"/>
+              </a:rPr>
+              <a:t>as</a:t>
+            </a:r>
+            <a:r>
+              <a:rPr lang="en-US" sz="4800" dirty="0">
+                <a:latin typeface="Gill Sans"/>
+                <a:cs typeface="Gill Sans"/>
+              </a:rPr>
+              <a:t> </a:t>
+            </a:r>
+            <a:r>
+              <a:rPr sz="4800" spc="-120" dirty="0">
                 <a:latin typeface="Gill Sans"/>
                 <a:cs typeface="Gill Sans"/>
               </a:rPr>
               <a:t>y</a:t>
             </a:r>
             <a:r>
-              <a:rPr sz="5800" dirty="0">
+              <a:rPr sz="4800" dirty="0">
                 <a:latin typeface="Gill Sans"/>
                 <a:cs typeface="Gill Sans"/>
               </a:rPr>
               <a:t>our</a:t>
             </a:r>
             <a:r>
-              <a:rPr sz="5800" spc="-5" dirty="0">
-                <a:latin typeface="Gill Sans"/>
-                <a:cs typeface="Gill Sans"/>
-              </a:rPr>
-              <a:t> </a:t>
-            </a:r>
-            <a:r>
-              <a:rPr sz="5800" dirty="0">
+              <a:rPr sz="4800" spc="-5" dirty="0">
+                <a:latin typeface="Gill Sans"/>
+                <a:cs typeface="Gill Sans"/>
+              </a:rPr>
+              <a:t> </a:t>
+            </a:r>
+            <a:r>
+              <a:rPr sz="4800" dirty="0">
                 <a:latin typeface="Gill Sans"/>
                 <a:cs typeface="Gill Sans"/>
               </a:rPr>
               <a:t>ski</a:t>
             </a:r>
             <a:r>
-              <a:rPr sz="5800" spc="-5" dirty="0">
+              <a:rPr sz="4800" spc="-5" dirty="0">
                 <a:latin typeface="Gill Sans"/>
                 <a:cs typeface="Gill Sans"/>
               </a:rPr>
               <a:t>ll</a:t>
             </a:r>
             <a:r>
-              <a:rPr sz="5800" dirty="0">
-                <a:latin typeface="Gill Sans"/>
-                <a:cs typeface="Gill Sans"/>
-              </a:rPr>
-              <a:t>s	</a:t>
-            </a:r>
-            <a:r>
-              <a:rPr sz="5800" spc="-90" dirty="0">
+              <a:rPr sz="4800" dirty="0">
+                <a:latin typeface="Gill Sans"/>
+                <a:cs typeface="Gill Sans"/>
+              </a:rPr>
+              <a:t>s</a:t>
+            </a:r>
+            <a:r>
+              <a:rPr lang="en-US" sz="4800" dirty="0">
+                <a:latin typeface="Gill Sans"/>
+                <a:cs typeface="Gill Sans"/>
+              </a:rPr>
+              <a:t> </a:t>
+            </a:r>
+            <a:r>
+              <a:rPr sz="4800" spc="-90" dirty="0">
                 <a:latin typeface="Gill Sans"/>
                 <a:cs typeface="Gill Sans"/>
               </a:rPr>
               <a:t>e</a:t>
             </a:r>
             <a:r>
-              <a:rPr sz="5800" spc="-120" dirty="0">
+              <a:rPr sz="4800" spc="-120" dirty="0">
                 <a:latin typeface="Gill Sans"/>
                 <a:cs typeface="Gill Sans"/>
               </a:rPr>
               <a:t>v</a:t>
             </a:r>
             <a:r>
-              <a:rPr sz="5800" dirty="0">
+              <a:rPr sz="4800" dirty="0">
                 <a:latin typeface="Gill Sans"/>
                 <a:cs typeface="Gill Sans"/>
               </a:rPr>
               <a:t>o</a:t>
             </a:r>
             <a:r>
-              <a:rPr sz="5800" spc="-5" dirty="0">
+              <a:rPr sz="4800" spc="-5" dirty="0">
                 <a:latin typeface="Gill Sans"/>
                 <a:cs typeface="Gill Sans"/>
               </a:rPr>
               <a:t>l</a:t>
             </a:r>
             <a:r>
-              <a:rPr sz="5800" spc="-120" dirty="0">
+              <a:rPr sz="4800" spc="-120" dirty="0">
                 <a:latin typeface="Gill Sans"/>
                 <a:cs typeface="Gill Sans"/>
               </a:rPr>
               <a:t>v</a:t>
             </a:r>
             <a:r>
-              <a:rPr sz="5800" dirty="0">
-                <a:latin typeface="Gill Sans"/>
-                <a:cs typeface="Gill Sans"/>
-              </a:rPr>
-              <a:t>e  and</a:t>
-            </a:r>
-            <a:r>
-              <a:rPr sz="5800" spc="-10" dirty="0">
-                <a:latin typeface="Gill Sans"/>
-                <a:cs typeface="Gill Sans"/>
-              </a:rPr>
-              <a:t> </a:t>
-            </a:r>
-            <a:r>
-              <a:rPr sz="5800" spc="-20" dirty="0">
+              <a:rPr sz="4800" dirty="0">
+                <a:latin typeface="Gill Sans"/>
+                <a:cs typeface="Gill Sans"/>
+              </a:rPr>
+              <a:t>e</a:t>
+            </a:r>
+            <a:r>
+              <a:rPr lang="en-US" sz="4800" dirty="0">
+                <a:latin typeface="Gill Sans"/>
+                <a:cs typeface="Gill Sans"/>
+              </a:rPr>
+              <a:t> </a:t>
+            </a:r>
+            <a:r>
+              <a:rPr sz="4800" dirty="0">
+                <a:latin typeface="Gill Sans"/>
+                <a:cs typeface="Gill Sans"/>
+              </a:rPr>
+              <a:t>and</a:t>
+            </a:r>
+            <a:r>
+              <a:rPr sz="4800" spc="-10" dirty="0">
+                <a:latin typeface="Gill Sans"/>
+                <a:cs typeface="Gill Sans"/>
+              </a:rPr>
+              <a:t> </a:t>
+            </a:r>
+            <a:r>
+              <a:rPr sz="4800" spc="-20" dirty="0">
                 <a:latin typeface="Gill Sans"/>
                 <a:cs typeface="Gill Sans"/>
               </a:rPr>
               <a:t>projects</a:t>
             </a:r>
             <a:r>
-              <a:rPr sz="5800" spc="-10" dirty="0">
-                <a:latin typeface="Gill Sans"/>
-                <a:cs typeface="Gill Sans"/>
-              </a:rPr>
-              <a:t> </a:t>
-            </a:r>
-            <a:r>
-              <a:rPr sz="5800" dirty="0">
+              <a:rPr sz="4800" spc="-10" dirty="0">
+                <a:latin typeface="Gill Sans"/>
+                <a:cs typeface="Gill Sans"/>
+              </a:rPr>
+              <a:t> </a:t>
+            </a:r>
+            <a:r>
+              <a:rPr sz="4800" dirty="0">
                 <a:latin typeface="Gill Sans"/>
                 <a:cs typeface="Gill Sans"/>
               </a:rPr>
               <a:t>get</a:t>
             </a:r>
             <a:r>
-              <a:rPr sz="5800" spc="-5" dirty="0">
-                <a:latin typeface="Gill Sans"/>
-                <a:cs typeface="Gill Sans"/>
-              </a:rPr>
-              <a:t> </a:t>
-            </a:r>
-            <a:r>
-              <a:rPr sz="5800" spc="-35" dirty="0">
+              <a:rPr sz="4800" spc="-5" dirty="0">
+                <a:latin typeface="Gill Sans"/>
+                <a:cs typeface="Gill Sans"/>
+              </a:rPr>
+              <a:t> </a:t>
+            </a:r>
+            <a:r>
+              <a:rPr sz="4800" spc="-35" dirty="0">
                 <a:latin typeface="Gill Sans"/>
                 <a:cs typeface="Gill Sans"/>
               </a:rPr>
               <a:t>more</a:t>
             </a:r>
             <a:r>
-              <a:rPr sz="5800" spc="-10" dirty="0">
-                <a:latin typeface="Gill Sans"/>
-                <a:cs typeface="Gill Sans"/>
-              </a:rPr>
-              <a:t> </a:t>
-            </a:r>
-            <a:r>
-              <a:rPr sz="5800" spc="-5" dirty="0">
+              <a:rPr sz="4800" spc="-10" dirty="0">
+                <a:latin typeface="Gill Sans"/>
+                <a:cs typeface="Gill Sans"/>
+              </a:rPr>
+              <a:t> </a:t>
+            </a:r>
+            <a:r>
+              <a:rPr sz="4800" spc="-5" dirty="0">
                 <a:latin typeface="Gill Sans"/>
                 <a:cs typeface="Gill Sans"/>
               </a:rPr>
               <a:t>complex</a:t>
             </a:r>
-            <a:endParaRPr lang="en-US" sz="5800" spc="-5" dirty="0">
+            <a:endParaRPr lang="en-US" sz="4800" spc="-5" dirty="0">
               <a:latin typeface="Gill Sans"/>
               <a:cs typeface="Gill Sans"/>
             </a:endParaRPr>
           </a:p>
           <a:p>
-            <a:pPr marL="12700" marR="5080">
+            <a:pPr marL="869950" marR="5080" indent="-857250">
               <a:lnSpc>
                 <a:spcPts val="6600"/>
               </a:lnSpc>
               <a:spcBef>
                 <a:spcPts val="5"/>
               </a:spcBef>
+              <a:buFont typeface="Arial" panose="020B0604020202020204" pitchFamily="34" charset="0"/>
+              <a:buChar char="•"/>
               <a:tabLst>
                 <a:tab pos="6574155" algn="l"/>
                 <a:tab pos="9761855" algn="l"/>
               </a:tabLst>
             </a:pPr>
-            <a:endParaRPr lang="en-US" sz="5800" spc="-5" dirty="0">
-              <a:latin typeface="Gill Sans"/>
-              <a:cs typeface="Gill Sans"/>
-            </a:endParaRPr>
-          </a:p>
-          <a:p>
-            <a:pPr marL="12700" marR="5080">
+            <a:r>
+              <a:rPr lang="en-US" sz="4800" spc="-5" dirty="0">
+                <a:latin typeface="Gill Sans"/>
+                <a:cs typeface="Gill Sans"/>
+              </a:rPr>
+              <a:t>Much easier to get help from others and more experienced coders</a:t>
+            </a:r>
+          </a:p>
+          <a:p>
+            <a:pPr marL="869950" marR="5080" indent="-857250">
               <a:lnSpc>
                 <a:spcPts val="6600"/>
               </a:lnSpc>
               <a:spcBef>
                 <a:spcPts val="5"/>
               </a:spcBef>
+              <a:buFont typeface="Arial" panose="020B0604020202020204" pitchFamily="34" charset="0"/>
+              <a:buChar char="•"/>
               <a:tabLst>
                 <a:tab pos="6574155" algn="l"/>
                 <a:tab pos="9761855" algn="l"/>
               </a:tabLst>
             </a:pPr>
             <a:r>
-              <a:rPr lang="en-US" sz="5800" spc="-5" dirty="0">
-                <a:latin typeface="Gill Sans"/>
-                <a:cs typeface="Gill Sans"/>
-              </a:rPr>
-              <a:t>this is part of being a good collaborator and working on a team </a:t>
-            </a:r>
-            <a:endParaRPr sz="5800" dirty="0">
+              <a:rPr lang="en-US" sz="4800" spc="-5" dirty="0">
+                <a:latin typeface="Gill Sans"/>
+                <a:cs typeface="Gill Sans"/>
+              </a:rPr>
+              <a:t>This is part of being a good collaborator and working on a team </a:t>
+            </a:r>
+            <a:endParaRPr sz="4800" dirty="0">
               <a:latin typeface="Gill Sans"/>
               <a:cs typeface="Gill Sans"/>
             </a:endParaRPr>
@@ -13016,7 +13155,7 @@
         </p:nvSpPr>
         <p:spPr>
           <a:xfrm>
-            <a:off x="647700" y="825500"/>
+            <a:off x="482600" y="304800"/>
             <a:ext cx="10371455" cy="1000760"/>
           </a:xfrm>
           <a:prstGeom prst="rect">
@@ -13041,33 +13180,60 @@
               </a:tabLst>
             </a:pPr>
             <a:r>
-              <a:rPr sz="6400" spc="-30" dirty="0"/>
-              <a:t>three</a:t>
-            </a:r>
-            <a:r>
-              <a:rPr sz="6400" dirty="0"/>
-              <a:t> principles </a:t>
-            </a:r>
-            <a:r>
-              <a:rPr sz="6400" spc="-25" dirty="0"/>
-              <a:t>for	</a:t>
-            </a:r>
-            <a:r>
-              <a:rPr sz="6400" spc="30" dirty="0"/>
-              <a:t>(file)</a:t>
-            </a:r>
-            <a:r>
-              <a:rPr sz="6400" spc="-65" dirty="0"/>
-              <a:t> </a:t>
-            </a:r>
-            <a:r>
-              <a:rPr sz="6400" spc="-5" dirty="0"/>
-              <a:t>names</a:t>
+              <a:rPr lang="en-US" sz="6400" spc="-30" dirty="0"/>
+              <a:t>File name discipline</a:t>
             </a:r>
             <a:endParaRPr sz="6400" dirty="0"/>
           </a:p>
         </p:txBody>
       </p:sp>
+      <p:pic>
+        <p:nvPicPr>
+          <p:cNvPr id="1026" name="Picture 2" descr="The 10 Most Popular Programming Languages to Learn in 2021">
+            <a:extLst>
+              <a:ext uri="{FF2B5EF4-FFF2-40B4-BE49-F238E27FC236}">
+                <a16:creationId xmlns:a16="http://schemas.microsoft.com/office/drawing/2014/main" id="{7F8625A3-D985-E84C-B29A-9A67EEF776FF}"/>
+              </a:ext>
+            </a:extLst>
+          </p:cNvPr>
+          <p:cNvPicPr>
+            <a:picLocks noChangeAspect="1" noChangeArrowheads="1"/>
+          </p:cNvPicPr>
+          <p:nvPr/>
+        </p:nvPicPr>
+        <p:blipFill>
+          <a:blip r:embed="rId2">
+            <a:extLst>
+              <a:ext uri="{28A0092B-C50C-407E-A947-70E740481C1C}">
+                <a14:useLocalDpi xmlns:a14="http://schemas.microsoft.com/office/drawing/2010/main" val="0"/>
+              </a:ext>
+            </a:extLst>
+          </a:blip>
+          <a:srcRect/>
+          <a:stretch>
+            <a:fillRect/>
+          </a:stretch>
+        </p:blipFill>
+        <p:spPr bwMode="auto">
+          <a:xfrm>
+            <a:off x="7523431" y="6248400"/>
+            <a:ext cx="4917489" cy="3276600"/>
+          </a:xfrm>
+          <a:prstGeom prst="rect">
+            <a:avLst/>
+          </a:prstGeom>
+          <a:noFill/>
+          <a:extLst>
+            <a:ext uri="{909E8E84-426E-40DD-AFC4-6F175D3DCCD1}">
+              <a14:hiddenFill xmlns:a14="http://schemas.microsoft.com/office/drawing/2010/main">
+                <a:solidFill>
+                  <a:srgbClr val="FFFFFF"/>
+                </a:solidFill>
+              </a14:hiddenFill>
+            </a:ext>
+          </a:extLst>
+        </p:spPr>
+      </p:pic>
     </p:spTree>
   </p:cSld>
   <p:clrMapOvr>
@@ -13391,7 +13557,11 @@
           <a:lstStyle/>
           <a:p>
             <a:r>
-              <a:rPr lang="en-US" sz="4800" dirty="0"/>
+              <a:rPr lang="en-US" sz="4800" dirty="0">
+                <a:solidFill>
+                  <a:srgbClr val="0432FF"/>
+                </a:solidFill>
+              </a:rPr>
               <a:t>Naming convention for objects</a:t>
             </a:r>
           </a:p>
@@ -13621,7 +13791,7 @@
                   <a:srgbClr val="0432FF"/>
                 </a:solidFill>
               </a:rPr>
-              <a:t>table_summary_stats_CORT</a:t>
+              <a:t>table_CORT_summary_stats</a:t>
             </a:r>
             <a:endParaRPr lang="en-US" dirty="0">
               <a:solidFill>
@@ -14031,10 +14201,18 @@
           </a:p>
           <a:p>
             <a:r>
-              <a:rPr lang="en-US" dirty="0" err="1"/>
+              <a:rPr lang="en-US" dirty="0" err="1">
+                <a:solidFill>
+                  <a:srgbClr val="7030A0"/>
+                </a:solidFill>
+              </a:rPr>
               <a:t>github.com</a:t>
             </a:r>
-            <a:endParaRPr lang="en-US" dirty="0"/>
+            <a:endParaRPr lang="en-US" dirty="0">
+              <a:solidFill>
+                <a:srgbClr val="7030A0"/>
+              </a:solidFill>
+            </a:endParaRPr>
           </a:p>
         </p:txBody>
       </p:sp>
@@ -14635,7 +14813,7 @@
         <p:spPr>
           <a:xfrm>
             <a:off x="292100" y="1157883"/>
-            <a:ext cx="12217400" cy="8309967"/>
+            <a:ext cx="12217400" cy="7201972"/>
           </a:xfrm>
         </p:spPr>
         <p:txBody>
@@ -14647,7 +14825,11 @@
               <a:t>Tips: the </a:t>
             </a:r>
             <a:r>
-              <a:rPr lang="en-US" sz="3600" u="sng" dirty="0" err="1"/>
+              <a:rPr lang="en-US" sz="3600" u="sng" dirty="0" err="1">
+                <a:solidFill>
+                  <a:srgbClr val="0432FF"/>
+                </a:solidFill>
+              </a:rPr>
               <a:t>from_joe</a:t>
             </a:r>
             <a:r>
@@ -14751,6 +14933,10 @@
           </p:nvPr>
         </p:nvSpPr>
         <p:spPr>
+          <a:xfrm>
+            <a:off x="939800" y="2895600"/>
+            <a:ext cx="10596880" cy="4352474"/>
+          </a:xfrm>
           <a:prstGeom prst="rect">
             <a:avLst/>
           </a:prstGeom>
@@ -14761,13 +14947,15 @@
           </a:bodyPr>
           <a:lstStyle/>
           <a:p>
-            <a:pPr marL="461645">
+            <a:pPr marL="1318895" indent="-857250">
               <a:lnSpc>
                 <a:spcPct val="100000"/>
               </a:lnSpc>
               <a:spcBef>
                 <a:spcPts val="100"/>
               </a:spcBef>
+              <a:buFont typeface="Arial" panose="020B0604020202020204" pitchFamily="34" charset="0"/>
+              <a:buChar char="•"/>
             </a:pPr>
             <a:r>
               <a:rPr spc="-5" dirty="0"/>
@@ -14783,21 +14971,25 @@
             </a:r>
           </a:p>
           <a:p>
-            <a:pPr marL="448945">
+            <a:pPr marL="1134745" indent="-685800">
               <a:lnSpc>
                 <a:spcPct val="100000"/>
               </a:lnSpc>
               <a:spcBef>
                 <a:spcPts val="35"/>
               </a:spcBef>
+              <a:buFont typeface="Arial" panose="020B0604020202020204" pitchFamily="34" charset="0"/>
+              <a:buChar char="•"/>
             </a:pPr>
-            <a:endParaRPr sz="5400"/>
-          </a:p>
-          <a:p>
-            <a:pPr marL="461645">
+            <a:endParaRPr sz="5400" dirty="0"/>
+          </a:p>
+          <a:p>
+            <a:pPr marL="1318895" indent="-857250">
               <a:lnSpc>
                 <a:spcPct val="100000"/>
               </a:lnSpc>
+              <a:buFont typeface="Arial" panose="020B0604020202020204" pitchFamily="34" charset="0"/>
+              <a:buChar char="•"/>
             </a:pPr>
             <a:r>
               <a:rPr spc="-5" dirty="0"/>
@@ -14813,21 +15005,25 @@
             </a:r>
           </a:p>
           <a:p>
-            <a:pPr marL="448945">
+            <a:pPr marL="1134745" indent="-685800">
               <a:lnSpc>
                 <a:spcPct val="100000"/>
               </a:lnSpc>
               <a:spcBef>
                 <a:spcPts val="40"/>
               </a:spcBef>
+              <a:buFont typeface="Arial" panose="020B0604020202020204" pitchFamily="34" charset="0"/>
+              <a:buChar char="•"/>
             </a:pPr>
-            <a:endParaRPr sz="5400"/>
-          </a:p>
-          <a:p>
-            <a:pPr marL="461645">
+            <a:endParaRPr sz="5400" dirty="0"/>
+          </a:p>
+          <a:p>
+            <a:pPr marL="1318895" indent="-857250">
               <a:lnSpc>
                 <a:spcPct val="100000"/>
               </a:lnSpc>
+              <a:buFont typeface="Arial" panose="020B0604020202020204" pitchFamily="34" charset="0"/>
+              <a:buChar char="•"/>
             </a:pPr>
             <a:r>
               <a:rPr spc="-50" dirty="0"/>
@@ -14881,7 +15077,7 @@
         <p:spPr>
           <a:xfrm>
             <a:off x="647700" y="825500"/>
-            <a:ext cx="10371455" cy="1000760"/>
+            <a:ext cx="10371455" cy="997709"/>
           </a:xfrm>
           <a:prstGeom prst="rect">
             <a:avLst/>
@@ -14905,8 +15101,12 @@
               </a:tabLst>
             </a:pPr>
             <a:r>
+              <a:rPr lang="en-US" sz="6400" spc="-30" dirty="0"/>
+              <a:t>T</a:t>
+            </a:r>
+            <a:r>
               <a:rPr sz="6400" spc="-30" dirty="0"/>
-              <a:t>three</a:t>
+              <a:t>hree</a:t>
             </a:r>
             <a:r>
               <a:rPr sz="6400" dirty="0"/>
@@ -14914,21 +15114,29 @@
             </a:r>
             <a:r>
               <a:rPr sz="6400" spc="-25" dirty="0"/>
-              <a:t>for	</a:t>
+              <a:t>for</a:t>
+            </a:r>
+            <a:r>
+              <a:rPr lang="en-US" sz="6400" spc="-25" dirty="0"/>
+              <a:t> </a:t>
             </a:r>
             <a:r>
               <a:rPr sz="6400" spc="30" dirty="0"/>
-              <a:t>(file)</a:t>
-            </a:r>
-            <a:r>
-              <a:rPr sz="6400" spc="-65" dirty="0"/>
+              <a:t>file</a:t>
+            </a:r>
+            <a:r>
+              <a:rPr lang="en-US" sz="6400" spc="30" dirty="0"/>
               <a:t> </a:t>
             </a:r>
             <a:r>
               <a:rPr sz="6400" spc="-5" dirty="0"/>
               <a:t>names</a:t>
             </a:r>
-            <a:endParaRPr sz="6400"/>
+            <a:r>
+              <a:rPr lang="en-US" sz="6400" spc="-5" dirty="0"/>
+              <a:t>:</a:t>
+            </a:r>
+            <a:endParaRPr sz="6400" dirty="0"/>
           </a:p>
         </p:txBody>
       </p:sp>
@@ -14971,7 +15179,7 @@
         </p:blipFill>
         <p:spPr>
           <a:xfrm>
-            <a:off x="355600" y="3759147"/>
+            <a:off x="355600" y="3060647"/>
             <a:ext cx="12293600" cy="3022705"/>
           </a:xfrm>
           <a:prstGeom prst="rect">
@@ -14992,7 +15200,7 @@
         <p:spPr>
           <a:xfrm>
             <a:off x="3416300" y="1758950"/>
-            <a:ext cx="6349365" cy="878840"/>
+            <a:ext cx="7124700" cy="874598"/>
           </a:xfrm>
           <a:prstGeom prst="rect">
             <a:avLst/>
@@ -15016,8 +15224,16 @@
               </a:tabLst>
             </a:pPr>
             <a:r>
+              <a:rPr lang="en-US" sz="5600" spc="-50" dirty="0"/>
+              <a:t>A</a:t>
+            </a:r>
+            <a:r>
               <a:rPr sz="5600" spc="-50" dirty="0"/>
-              <a:t>awesome	</a:t>
+              <a:t>wesome</a:t>
+            </a:r>
+            <a:r>
+              <a:rPr lang="en-US" sz="5600" spc="-50" dirty="0"/>
+              <a:t> </a:t>
             </a:r>
             <a:r>
               <a:rPr sz="5600" spc="40" dirty="0"/>
@@ -15039,7 +15255,63 @@
               <a:rPr sz="5600" spc="-5" dirty="0"/>
               <a:t>:)</a:t>
             </a:r>
-            <a:endParaRPr sz="5600"/>
+            <a:endParaRPr sz="5600" dirty="0"/>
+          </a:p>
+        </p:txBody>
+      </p:sp>
+      <p:sp>
+        <p:nvSpPr>
+          <p:cNvPr id="4" name="object 3">
+            <a:extLst>
+              <a:ext uri="{FF2B5EF4-FFF2-40B4-BE49-F238E27FC236}">
+                <a16:creationId xmlns:a16="http://schemas.microsoft.com/office/drawing/2014/main" id="{534193FB-BFCE-8F49-AF61-1645FB2DE484}"/>
+              </a:ext>
+            </a:extLst>
+          </p:cNvPr>
+          <p:cNvSpPr txBox="1">
+            <a:spLocks/>
+          </p:cNvSpPr>
+          <p:nvPr/>
+        </p:nvSpPr>
+        <p:spPr>
+          <a:xfrm>
+            <a:off x="1041400" y="6510451"/>
+            <a:ext cx="11963400" cy="2228815"/>
+          </a:xfrm>
+          <a:prstGeom prst="rect">
+            <a:avLst/>
+          </a:prstGeom>
+        </p:spPr>
+        <p:txBody>
+          <a:bodyPr vert="horz" wrap="square" lIns="0" tIns="12700" rIns="0" bIns="0" rtlCol="0">
+            <a:spAutoFit/>
+          </a:bodyPr>
+          <a:lstStyle>
+            <a:lvl1pPr>
+              <a:defRPr sz="8200" b="0" i="0">
+                <a:solidFill>
+                  <a:schemeClr val="tx1"/>
+                </a:solidFill>
+                <a:latin typeface="Gill Sans"/>
+                <a:ea typeface="+mj-ea"/>
+                <a:cs typeface="Gill Sans"/>
+              </a:defRPr>
+            </a:lvl1pPr>
+          </a:lstStyle>
+          <a:p>
+            <a:pPr marL="12700">
+              <a:spcBef>
+                <a:spcPts val="100"/>
+              </a:spcBef>
+              <a:tabLst>
+                <a:tab pos="2880995" algn="l"/>
+              </a:tabLst>
+            </a:pPr>
+            <a:r>
+              <a:rPr lang="en-US" sz="4800" kern="0" spc="-50" dirty="0"/>
+              <a:t>Notice that they are descriptive; without knowing anything about the project you can guess at what the files contain</a:t>
+            </a:r>
+            <a:endParaRPr lang="en-US" sz="4800" kern="0" dirty="0"/>
           </a:p>
         </p:txBody>
       </p:sp>
@@ -15125,7 +15397,7 @@
         </p:nvSpPr>
         <p:spPr>
           <a:xfrm>
-            <a:off x="1320800" y="2501900"/>
+            <a:off x="1320800" y="1828800"/>
             <a:ext cx="10652125" cy="6510180"/>
           </a:xfrm>
           <a:prstGeom prst="rect">
